--- a/project_presentation.pptx
+++ b/project_presentation.pptx
@@ -14854,8 +14854,12 @@
           <a:lstStyle/>
           <a:p>
             <a:r>
-              <a:rPr lang="tr-TR" dirty="0" err="1"/>
+              <a:rPr lang="tr-TR" dirty="0"/>
               <a:t>Result</a:t>
+            </a:r>
+            <a:r>
+              <a:rPr lang="en-IN" dirty="0"/>
+              <a:t>s</a:t>
             </a:r>
             <a:endParaRPr lang="tr-TR" dirty="0"/>
           </a:p>
@@ -14974,8 +14978,12 @@
           <a:lstStyle/>
           <a:p>
             <a:r>
-              <a:rPr lang="tr-TR" dirty="0" err="1"/>
+              <a:rPr lang="tr-TR" dirty="0"/>
               <a:t>Result</a:t>
+            </a:r>
+            <a:r>
+              <a:rPr lang="en-IN" dirty="0"/>
+              <a:t>s</a:t>
             </a:r>
             <a:endParaRPr lang="tr-TR" dirty="0"/>
           </a:p>
@@ -15088,8 +15096,12 @@
           <a:lstStyle/>
           <a:p>
             <a:r>
-              <a:rPr lang="tr-TR" dirty="0" err="1"/>
+              <a:rPr lang="tr-TR" dirty="0"/>
               <a:t>Result</a:t>
+            </a:r>
+            <a:r>
+              <a:rPr lang="en-IN" dirty="0"/>
+              <a:t>s</a:t>
             </a:r>
             <a:endParaRPr lang="tr-TR" dirty="0"/>
           </a:p>
@@ -15208,8 +15220,12 @@
           <a:lstStyle/>
           <a:p>
             <a:r>
-              <a:rPr lang="tr-TR" dirty="0" err="1"/>
+              <a:rPr lang="tr-TR" dirty="0"/>
               <a:t>Result</a:t>
+            </a:r>
+            <a:r>
+              <a:rPr lang="en-IN" dirty="0"/>
+              <a:t>s</a:t>
             </a:r>
             <a:endParaRPr lang="tr-TR" dirty="0"/>
           </a:p>
@@ -15328,8 +15344,12 @@
           <a:lstStyle/>
           <a:p>
             <a:r>
-              <a:rPr lang="tr-TR" dirty="0" err="1"/>
+              <a:rPr lang="tr-TR" dirty="0"/>
               <a:t>Result</a:t>
+            </a:r>
+            <a:r>
+              <a:rPr lang="en-IN" dirty="0"/>
+              <a:t>s</a:t>
             </a:r>
             <a:endParaRPr lang="tr-TR" dirty="0"/>
           </a:p>
@@ -15403,8 +15423,12 @@
           <a:lstStyle/>
           <a:p>
             <a:r>
-              <a:rPr lang="tr-TR" dirty="0" err="1"/>
+              <a:rPr lang="tr-TR" dirty="0"/>
               <a:t>Result</a:t>
+            </a:r>
+            <a:r>
+              <a:rPr lang="en-IN" dirty="0"/>
+              <a:t>s</a:t>
             </a:r>
             <a:endParaRPr lang="tr-TR" dirty="0"/>
           </a:p>
@@ -15447,7 +15471,7 @@
                 <a:latin typeface="Times New Roman" panose="02020603050405020304" pitchFamily="18" charset="0"/>
                 <a:ea typeface="Calibri" panose="020F0502020204030204" pitchFamily="34" charset="0"/>
               </a:rPr>
-              <a:t>Based on </a:t>
+              <a:t>Based on the </a:t>
             </a:r>
             <a:r>
               <a:rPr lang="en-US" dirty="0" err="1">
@@ -15467,7 +15491,7 @@
                 <a:latin typeface="Times New Roman" panose="02020603050405020304" pitchFamily="18" charset="0"/>
                 <a:ea typeface="Calibri" panose="020F0502020204030204" pitchFamily="34" charset="0"/>
               </a:rPr>
-              <a:t> analysis above Cluster 3 (</a:t>
+              <a:t> analysis above, Cluster 3 (</a:t>
             </a:r>
             <a:r>
               <a:rPr lang="tr-TR" dirty="0" err="1">
@@ -15640,7 +15664,7 @@
           <a:p>
             <a:r>
               <a:rPr lang="en-US" dirty="0"/>
-              <a:t>This analysis is performed on limited data. This may be right or may be wrong. But if good amount of data is available there is scope to come up with better results.</a:t>
+              <a:t>This analysis is performed on limited data. If a good amount of data is available, there is scope to come up with better results.</a:t>
             </a:r>
             <a:endParaRPr lang="tr-TR" dirty="0"/>
           </a:p>
@@ -15648,39 +15672,19 @@
             <a:pPr lvl="0"/>
             <a:r>
               <a:rPr lang="en-US" dirty="0"/>
-              <a:t>There is high competition in Midtown and </a:t>
-            </a:r>
-            <a:r>
-              <a:rPr lang="en-US" dirty="0" err="1"/>
-              <a:t>Soho</a:t>
-            </a:r>
+              <a:t>There is high competition in Midtown and Soho, so it is very risky to open business in these areas.</a:t>
+            </a:r>
+            <a:endParaRPr lang="tr-TR" dirty="0"/>
+          </a:p>
+          <a:p>
+            <a:pPr lvl="0"/>
             <a:r>
               <a:rPr lang="en-US" dirty="0"/>
-              <a:t> so it is very risky to open business in these areas.</a:t>
-            </a:r>
-            <a:endParaRPr lang="tr-TR" dirty="0"/>
-          </a:p>
-          <a:p>
-            <a:pPr lvl="0"/>
-            <a:r>
-              <a:rPr lang="en-US" dirty="0"/>
-              <a:t>Central Harlem has also potential where closes to </a:t>
-            </a:r>
-            <a:r>
-              <a:rPr lang="tr-TR" dirty="0" err="1"/>
-              <a:t>Morningside</a:t>
+              <a:t>Central Harlem also has a  potential close to the </a:t>
             </a:r>
             <a:r>
               <a:rPr lang="tr-TR" dirty="0"/>
-              <a:t> </a:t>
-            </a:r>
-            <a:r>
-              <a:rPr lang="tr-TR" dirty="0" err="1"/>
-              <a:t>Heights</a:t>
-            </a:r>
-            <a:r>
-              <a:rPr lang="tr-TR" dirty="0"/>
-              <a:t> </a:t>
+              <a:t>Morningside Heights </a:t>
             </a:r>
             <a:r>
               <a:rPr lang="en-US" dirty="0"/>
@@ -15692,7 +15696,7 @@
             <a:pPr lvl="0"/>
             <a:r>
               <a:rPr lang="en-US" dirty="0"/>
-              <a:t>It can be done more detailed analysis by adding other factors such as transportation, demographics of inhabitants.   </a:t>
+              <a:t>A more detailed analysis can be done by adding other factors such as transportation, demographics of inhabitants.   </a:t>
             </a:r>
             <a:endParaRPr lang="tr-TR" dirty="0"/>
           </a:p>
@@ -15779,15 +15783,7 @@
             </a:pPr>
             <a:r>
               <a:rPr lang="en-US" dirty="0"/>
-              <a:t>Although all of the goals of this project were met there is definitely room for further improvement and development as noted below. However, the goals of the project were met and, with some more work, could easily </a:t>
-            </a:r>
-            <a:r>
-              <a:rPr lang="en-US"/>
-              <a:t>be developed </a:t>
-            </a:r>
-            <a:r>
-              <a:rPr lang="en-US" dirty="0"/>
-              <a:t>into a full-fledged application that could support the opening a business idea in an unknown location.</a:t>
+              <a:t>Although all of the goals of this project were met, there is definitely a room for further improvement and development as noted below. However, the goals of the project were met and, with some more work, this could easily be developed into a full-fledged application that could support opening a business idea in an unknown location.</a:t>
             </a:r>
             <a:endParaRPr lang="tr-TR" dirty="0"/>
           </a:p>
@@ -15891,7 +15887,7 @@
           <a:p>
             <a:r>
               <a:rPr lang="en-US" dirty="0"/>
-              <a:t>Sushi restaurants have become so popular in the United States now it seems that there is  one on every corner, not only in major cities but also in smaller cities. Starting a sushi restaurant can be a great business opportunity, but you need to distinguish yourself from others to enjoy long-term success.</a:t>
+              <a:t>Sushi restaurants have become so popular in the United States now that it seems there is  one on every corner, not only in major cities but also in smaller cities. Starting a sushi restaurant can be a great business opportunity, but you need to distinguish yourself from others to enjoy long-term success.</a:t>
             </a:r>
             <a:endParaRPr lang="tr-TR" dirty="0"/>
           </a:p>
@@ -15981,7 +15977,7 @@
             <a:pPr algn="just"/>
             <a:r>
               <a:rPr lang="en-US" dirty="0"/>
-              <a:t>My client wants to open his business in Manhattan area, so I focus on that borough during my analysis. We define potential neighborhood based on the number of sushi bars which are operating right in each neighborhood. Manhattan has full potential but also is a very challenging district to open a business because of high competition. New sushi bar should be open in an area that inadequate neighborhood in this way the bar can attract more customers. Therefore, this analysis necessary to ensure that we have enough customers and that we are not so close to other sushi places.</a:t>
+              <a:t>My client wants to open his business in Manhattan area, so I would focus on that borough during my analysis. We define potential neighborhood based on the number of sushi bars which are operating right in each neighborhood. Manhattan has full potential but is also a very challenging district to open a business because of high competition. New sushi bar should be open in an area that has limited competition but a good customer pool. In this way, the bar can attract more customers. Therefore, this analysis is necessary to ensure that we have enough customers and that we are not so close to other sushi places.</a:t>
             </a:r>
           </a:p>
           <a:p>
@@ -16097,66 +16093,30 @@
           <a:p>
             <a:r>
               <a:rPr lang="en-US" dirty="0"/>
-              <a:t>We then used Google Map API to find their geographic coordinates based on their postal code addresses.</a:t>
+              <a:t>We would then use Google Map API to find their geographic coordinates based on their postal code addresses.</a:t>
             </a:r>
             <a:endParaRPr lang="tr-TR" dirty="0"/>
           </a:p>
           <a:p>
             <a:r>
-              <a:rPr lang="tr-TR" dirty="0" err="1"/>
-              <a:t>In</a:t>
-            </a:r>
-            <a:r>
               <a:rPr lang="tr-TR" dirty="0"/>
-              <a:t> Manhattan, </a:t>
-            </a:r>
-            <a:r>
-              <a:rPr lang="tr-TR" dirty="0" err="1"/>
-              <a:t>there</a:t>
+              <a:t>In Manhattan, there </a:t>
+            </a:r>
+            <a:r>
+              <a:rPr lang="en-IN" dirty="0"/>
+              <a:t>are</a:t>
             </a:r>
             <a:r>
               <a:rPr lang="tr-TR" dirty="0"/>
-              <a:t> is 1763 </a:t>
-            </a:r>
-            <a:r>
-              <a:rPr lang="tr-TR" dirty="0" err="1"/>
-              <a:t>sushi</a:t>
+              <a:t> 1763 sushi bars </a:t>
+            </a:r>
+            <a:r>
+              <a:rPr lang="en-IN" dirty="0"/>
+              <a:t>that </a:t>
             </a:r>
             <a:r>
               <a:rPr lang="tr-TR" dirty="0"/>
-              <a:t> </a:t>
-            </a:r>
-            <a:r>
-              <a:rPr lang="tr-TR" dirty="0" err="1"/>
-              <a:t>bars</a:t>
-            </a:r>
-            <a:r>
-              <a:rPr lang="tr-TR" dirty="0"/>
-              <a:t> </a:t>
-            </a:r>
-            <a:r>
-              <a:rPr lang="tr-TR" dirty="0" err="1"/>
-              <a:t>are</a:t>
-            </a:r>
-            <a:r>
-              <a:rPr lang="tr-TR" dirty="0"/>
-              <a:t> </a:t>
-            </a:r>
-            <a:r>
-              <a:rPr lang="tr-TR" dirty="0" err="1"/>
-              <a:t>currently</a:t>
-            </a:r>
-            <a:r>
-              <a:rPr lang="tr-TR" dirty="0"/>
-              <a:t> </a:t>
-            </a:r>
-            <a:r>
-              <a:rPr lang="tr-TR" dirty="0" err="1"/>
-              <a:t>operating</a:t>
-            </a:r>
-            <a:r>
-              <a:rPr lang="tr-TR" dirty="0"/>
-              <a:t>. </a:t>
+              <a:t>are currently operating. </a:t>
             </a:r>
           </a:p>
           <a:p>
@@ -16271,7 +16231,7 @@
           <a:p>
             <a:r>
               <a:rPr lang="en-US" dirty="0"/>
-              <a:t>Next, we also used Google Map API to find their geographic coordinates of the 5 locations shortlisted for our </a:t>
+              <a:t>Next, we would use Google Map API to find their geographic coordinates of the 5 locations shortlisted for our </a:t>
             </a:r>
             <a:r>
               <a:rPr lang="tr-TR" dirty="0" err="1"/>
@@ -16428,20 +16388,12 @@
               <a:t>ddresses</a:t>
             </a:r>
             <a:r>
+              <a:rPr lang="en-IN" dirty="0"/>
+              <a:t> would be</a:t>
+            </a:r>
+            <a:r>
               <a:rPr lang="tr-TR" dirty="0"/>
-              <a:t> </a:t>
-            </a:r>
-            <a:r>
-              <a:rPr lang="tr-TR" dirty="0" err="1"/>
-              <a:t>are</a:t>
-            </a:r>
-            <a:r>
-              <a:rPr lang="tr-TR" dirty="0"/>
-              <a:t> </a:t>
-            </a:r>
-            <a:r>
-              <a:rPr lang="tr-TR" dirty="0" err="1"/>
-              <a:t>converted</a:t>
+              <a:t> converted</a:t>
             </a:r>
             <a:r>
               <a:rPr lang="en-US" dirty="0"/>
@@ -16455,16 +16407,12 @@
               <a:t>Foursquare API </a:t>
             </a:r>
             <a:r>
+              <a:rPr lang="en-IN" dirty="0"/>
+              <a:t>would be</a:t>
+            </a:r>
+            <a:r>
               <a:rPr lang="tr-TR" dirty="0"/>
-              <a:t>is </a:t>
-            </a:r>
-            <a:r>
-              <a:rPr lang="tr-TR" dirty="0" err="1"/>
-              <a:t>used</a:t>
-            </a:r>
-            <a:r>
-              <a:rPr lang="tr-TR" dirty="0"/>
-              <a:t> </a:t>
+              <a:t> used </a:t>
             </a:r>
             <a:r>
               <a:rPr lang="en-US" dirty="0"/>
@@ -16475,7 +16423,7 @@
           <a:p>
             <a:r>
               <a:rPr lang="en-US" dirty="0"/>
-              <a:t>After that, explore function to get sushi restaurant categories in each neighborhood.</a:t>
+              <a:t>After that, we would use explore function to get sushi restaurant categories in each neighborhood.</a:t>
             </a:r>
             <a:endParaRPr lang="tr-TR" dirty="0"/>
           </a:p>
@@ -16786,15 +16734,15 @@
             <a:pPr algn="just"/>
             <a:r>
               <a:rPr lang="en-US" dirty="0"/>
-              <a:t> Then us</a:t>
-            </a:r>
-            <a:r>
-              <a:rPr lang="tr-TR" dirty="0" err="1"/>
+              <a:t> Then, us</a:t>
+            </a:r>
+            <a:r>
+              <a:rPr lang="tr-TR" dirty="0"/>
               <a:t>ing</a:t>
             </a:r>
             <a:r>
               <a:rPr lang="en-US" dirty="0"/>
-              <a:t> this feature to group the neighborhoods into clusters K-means clustering algorithm will be use to complete this task. And also, the Folium library to visualize the neighborhoods in Manhattan and its emerging clusters.</a:t>
+              <a:t> these features to group the neighborhoods into clusters, we would use K-means clustering algorithm. And also, the Folium library would be used to visualize the neighborhoods in Manhattan and its emerging clusters.</a:t>
             </a:r>
             <a:endParaRPr lang="tr-TR" dirty="0"/>
           </a:p>
